--- a/test_data/pipe.pptx
+++ b/test_data/pipe.pptx
@@ -5,8 +5,7 @@
     <p:sldMasterId id="2147483648" r:id="rId1"/>
   </p:sldMasterIdLst>
   <p:sldIdLst>
-    <p:sldId id="256" r:id="rId2"/>
-    <p:sldId id="257" r:id="rId3"/>
+    <p:sldId id="257" r:id="rId2"/>
   </p:sldIdLst>
   <p:sldSz cx="9144000" cy="6858000" type="screen4x3"/>
   <p:notesSz cx="6858000" cy="9144000"/>
@@ -105,6 +104,22 @@
       </a:defRPr>
     </a:lvl9pPr>
   </p:defaultTextStyle>
+  <p:extLst>
+    <p:ext uri="{EFAFB233-063F-42B5-8137-9DF3F51BA10A}">
+      <p15:sldGuideLst xmlns:p15="http://schemas.microsoft.com/office/powerpoint/2012/main">
+        <p15:guide id="1" orient="horz" pos="2160">
+          <p15:clr>
+            <a:srgbClr val="A4A3A4"/>
+          </p15:clr>
+        </p15:guide>
+        <p15:guide id="2" pos="2880">
+          <p15:clr>
+            <a:srgbClr val="A4A3A4"/>
+          </p15:clr>
+        </p15:guide>
+      </p15:sldGuideLst>
+    </p:ext>
+  </p:extLst>
 </p:presentation>
 </file>
 
@@ -3098,74 +3113,6 @@
       </p:grpSpPr>
       <p:sp>
         <p:nvSpPr>
-          <p:cNvPr id="2" name="Title 1"/>
-          <p:cNvSpPr>
-            <a:spLocks noGrp="1"/>
-          </p:cNvSpPr>
-          <p:nvPr>
-            <p:ph type="ctrTitle"/>
-          </p:nvPr>
-        </p:nvSpPr>
-        <p:spPr/>
-        <p:txBody>
-          <a:bodyPr/>
-          <a:lstStyle/>
-          <a:p>
-            <a:endParaRPr lang="en-US"/>
-          </a:p>
-        </p:txBody>
-      </p:sp>
-      <p:sp>
-        <p:nvSpPr>
-          <p:cNvPr id="3" name="Subtitle 2"/>
-          <p:cNvSpPr>
-            <a:spLocks noGrp="1"/>
-          </p:cNvSpPr>
-          <p:nvPr>
-            <p:ph type="subTitle" idx="1"/>
-          </p:nvPr>
-        </p:nvSpPr>
-        <p:spPr/>
-        <p:txBody>
-          <a:bodyPr/>
-          <a:lstStyle/>
-          <a:p>
-            <a:endParaRPr lang="en-US"/>
-          </a:p>
-        </p:txBody>
-      </p:sp>
-    </p:spTree>
-    <p:extLst>
-      <p:ext uri="{BB962C8B-B14F-4D97-AF65-F5344CB8AC3E}">
-        <p14:creationId xmlns:p14="http://schemas.microsoft.com/office/powerpoint/2010/main" val="2679856710"/>
-      </p:ext>
-    </p:extLst>
-  </p:cSld>
-  <p:clrMapOvr>
-    <a:masterClrMapping/>
-  </p:clrMapOvr>
-</p:sld>
-</file>
-
-<file path=ppt/slides/slide2.xml><?xml version="1.0" encoding="utf-8"?>
-<p:sld xmlns:a="http://schemas.openxmlformats.org/drawingml/2006/main" xmlns:r="http://schemas.openxmlformats.org/officeDocument/2006/relationships" xmlns:p="http://schemas.openxmlformats.org/presentationml/2006/main">
-  <p:cSld>
-    <p:spTree>
-      <p:nvGrpSpPr>
-        <p:cNvPr id="1" name=""/>
-        <p:cNvGrpSpPr/>
-        <p:nvPr/>
-      </p:nvGrpSpPr>
-      <p:grpSpPr>
-        <a:xfrm>
-          <a:off x="0" y="0"/>
-          <a:ext cx="0" cy="0"/>
-          <a:chOff x="0" y="0"/>
-          <a:chExt cx="0" cy="0"/>
-        </a:xfrm>
-      </p:grpSpPr>
-      <p:sp>
-        <p:nvSpPr>
           <p:cNvPr id="3" name="Content Placeholder 2"/>
           <p:cNvSpPr>
             <a:spLocks noGrp="1"/>
@@ -3182,7 +3129,7 @@
         </p:spPr>
         <p:txBody>
           <a:bodyPr>
-            <a:normAutofit fontScale="92500" lnSpcReduction="10000"/>
+            <a:normAutofit lnSpcReduction="10000"/>
           </a:bodyPr>
           <a:lstStyle/>
           <a:p>
@@ -3192,7 +3139,19 @@
             </a:pPr>
             <a:r>
               <a:rPr lang="en-US" sz="1800" dirty="0" smtClean="0"/>
-              <a:t>Raw data 210000 * 18, each of them has a 0_1 label (0_1 cluster &lt; 100 -&gt; X_X label)</a:t>
+              <a:t>Raw data 210000 * </a:t>
+            </a:r>
+            <a:r>
+              <a:rPr lang="en-US" sz="1800" dirty="0" smtClean="0"/>
+              <a:t>5, </a:t>
+            </a:r>
+            <a:r>
+              <a:rPr lang="en-US" sz="1800" dirty="0" smtClean="0"/>
+              <a:t>each of them has a 0_1 label (0_1 cluster &lt; 100 -&gt; X_X label</a:t>
+            </a:r>
+            <a:r>
+              <a:rPr lang="en-US" sz="1800" dirty="0" smtClean="0"/>
+              <a:t>)</a:t>
             </a:r>
           </a:p>
           <a:p>
@@ -3202,8 +3161,9 @@
             </a:pPr>
             <a:r>
               <a:rPr lang="en-US" sz="1800" dirty="0" smtClean="0"/>
-              <a:t>Iteration 0:</a:t>
-            </a:r>
+              <a:t>Raw signal add -0.1~0.1 random noise</a:t>
+            </a:r>
+            <a:endParaRPr lang="en-US" sz="1800" dirty="0" smtClean="0"/>
           </a:p>
           <a:p>
             <a:pPr marL="514350" indent="-514350">
@@ -3212,7 +3172,7 @@
             </a:pPr>
             <a:r>
               <a:rPr lang="en-US" sz="1800" dirty="0" smtClean="0"/>
-              <a:t>Cluster 210000 peaks based on 0_1 label</a:t>
+              <a:t>Iteration 0:</a:t>
             </a:r>
           </a:p>
           <a:p>
@@ -3222,39 +3182,19 @@
             </a:pPr>
             <a:r>
               <a:rPr lang="en-US" sz="1800" dirty="0" smtClean="0"/>
-              <a:t>For each cluster get the </a:t>
-            </a:r>
-            <a:r>
-              <a:rPr lang="en-US" sz="1800" dirty="0" err="1" smtClean="0"/>
-              <a:t>mean_vec</a:t>
-            </a:r>
-            <a:r>
-              <a:rPr lang="en-US" sz="1800" dirty="0" smtClean="0"/>
-              <a:t> &amp; </a:t>
-            </a:r>
-            <a:r>
-              <a:rPr lang="en-US" sz="1800" dirty="0" err="1" smtClean="0"/>
-              <a:t>cov_mat</a:t>
-            </a:r>
-            <a:r>
-              <a:rPr lang="en-US" sz="1800" dirty="0" smtClean="0"/>
-              <a:t> &amp; </a:t>
-            </a:r>
-            <a:r>
-              <a:rPr lang="en-US" sz="1800" dirty="0" err="1" smtClean="0"/>
-              <a:t>prior_p</a:t>
-            </a:r>
-            <a:r>
-              <a:rPr lang="en-US" sz="1800" dirty="0" smtClean="0"/>
-              <a:t> = </a:t>
-            </a:r>
-            <a:r>
-              <a:rPr lang="en-US" sz="1800" dirty="0" err="1" smtClean="0"/>
-              <a:t>num_cluster</a:t>
-            </a:r>
-            <a:r>
-              <a:rPr lang="en-US" sz="1800" dirty="0" smtClean="0"/>
-              <a:t>/210000</a:t>
+              <a:t>Assign 210000 </a:t>
+            </a:r>
+            <a:r>
+              <a:rPr lang="en-US" sz="1800" dirty="0" smtClean="0"/>
+              <a:t>peaks </a:t>
+            </a:r>
+            <a:r>
+              <a:rPr lang="en-US" sz="1800" dirty="0" smtClean="0"/>
+              <a:t>into 20 clusters based </a:t>
+            </a:r>
+            <a:r>
+              <a:rPr lang="en-US" sz="1800" dirty="0" smtClean="0"/>
+              <a:t>on 0_1 label</a:t>
             </a:r>
           </a:p>
           <a:p>
@@ -3264,7 +3204,15 @@
             </a:pPr>
             <a:r>
               <a:rPr lang="en-US" sz="1800" dirty="0" smtClean="0"/>
-              <a:t>Split </a:t>
+              <a:t>For each cluster get the </a:t>
+            </a:r>
+            <a:r>
+              <a:rPr lang="en-US" sz="1800" dirty="0" err="1" smtClean="0"/>
+              <a:t>mean_vec</a:t>
+            </a:r>
+            <a:r>
+              <a:rPr lang="en-US" sz="1800" dirty="0" smtClean="0"/>
+              <a:t> &amp; </a:t>
             </a:r>
             <a:r>
               <a:rPr lang="en-US" sz="1800" dirty="0" err="1" smtClean="0"/>
@@ -3272,21 +3220,24 @@
             </a:r>
             <a:r>
               <a:rPr lang="en-US" sz="1800" dirty="0" smtClean="0"/>
-              <a:t>  into </a:t>
+              <a:t> &amp; </a:t>
             </a:r>
             <a:r>
               <a:rPr lang="en-US" sz="1800" dirty="0" err="1" smtClean="0"/>
-              <a:t>std_vec</a:t>
-            </a:r>
-            <a:r>
-              <a:rPr lang="en-US" sz="1800" dirty="0" smtClean="0"/>
-              <a:t> &amp; </a:t>
+              <a:t>prior_p</a:t>
+            </a:r>
+            <a:r>
+              <a:rPr lang="en-US" sz="1800" dirty="0" smtClean="0"/>
+              <a:t> = </a:t>
             </a:r>
             <a:r>
               <a:rPr lang="en-US" sz="1800" dirty="0" err="1" smtClean="0"/>
-              <a:t>corr_mat</a:t>
-            </a:r>
-            <a:endParaRPr lang="en-US" sz="1800" dirty="0" smtClean="0"/>
+              <a:t>num_cluster</a:t>
+            </a:r>
+            <a:r>
+              <a:rPr lang="en-US" sz="1800" dirty="0" smtClean="0"/>
+              <a:t>/210000</a:t>
+            </a:r>
           </a:p>
           <a:p>
             <a:pPr marL="514350" indent="-514350">
@@ -3295,31 +3246,27 @@
             </a:pPr>
             <a:r>
               <a:rPr lang="en-US" sz="1800" dirty="0" smtClean="0"/>
-              <a:t>For </a:t>
+              <a:t>Split </a:t>
             </a:r>
             <a:r>
               <a:rPr lang="en-US" sz="1800" dirty="0" err="1" smtClean="0"/>
-              <a:t>colums</a:t>
-            </a:r>
-            <a:r>
-              <a:rPr lang="en-US" sz="1800" dirty="0" smtClean="0"/>
-              <a:t> with </a:t>
+              <a:t>cov_mat</a:t>
+            </a:r>
+            <a:r>
+              <a:rPr lang="en-US" sz="1800" dirty="0" smtClean="0"/>
+              <a:t>  into </a:t>
             </a:r>
             <a:r>
               <a:rPr lang="en-US" sz="1800" dirty="0" err="1" smtClean="0"/>
-              <a:t>std</a:t>
-            </a:r>
-            <a:r>
-              <a:rPr lang="en-US" sz="1800" dirty="0" smtClean="0"/>
-              <a:t>==0, add </a:t>
+              <a:t>std_vec</a:t>
+            </a:r>
+            <a:r>
+              <a:rPr lang="en-US" sz="1800" dirty="0" smtClean="0"/>
+              <a:t> &amp; </a:t>
             </a:r>
             <a:r>
               <a:rPr lang="en-US" sz="1800" dirty="0" err="1" smtClean="0"/>
-              <a:t>noise~norm</a:t>
-            </a:r>
-            <a:r>
-              <a:rPr lang="en-US" sz="1800" dirty="0" smtClean="0"/>
-              <a:t>(0.0, 0.1)</a:t>
+              <a:t>corr_mat</a:t>
             </a:r>
             <a:endParaRPr lang="en-US" sz="1800" dirty="0" smtClean="0"/>
           </a:p>
@@ -3342,11 +3289,7 @@
             </a:r>
             <a:r>
               <a:rPr lang="en-US" sz="1800" dirty="0" smtClean="0"/>
-              <a:t>&lt;0.1</a:t>
-            </a:r>
-            <a:r>
-              <a:rPr lang="en-US" sz="1800" dirty="0" smtClean="0"/>
-              <a:t>] = 0.1 </a:t>
+              <a:t>&lt;0.1] = 0.1 </a:t>
             </a:r>
           </a:p>
           <a:p>
@@ -3379,10 +3322,9 @@
               <a:t>(3.0)] = </a:t>
             </a:r>
             <a:r>
-              <a:rPr lang="en-US" sz="1800" smtClean="0"/>
-              <a:t>3.0+noise~norm(0.0, 0.01)</a:t>
-            </a:r>
-            <a:endParaRPr lang="en-US" sz="1800" dirty="0" smtClean="0"/>
+              <a:rPr lang="en-US" sz="1800" dirty="0" smtClean="0"/>
+              <a:t>3.0</a:t>
+            </a:r>
           </a:p>
           <a:p>
             <a:pPr marL="514350" indent="-514350">
@@ -3391,15 +3333,15 @@
             </a:pPr>
             <a:r>
               <a:rPr lang="en-US" sz="1800" dirty="0" err="1" smtClean="0"/>
-              <a:t>cov_mat</a:t>
-            </a:r>
-            <a:r>
-              <a:rPr lang="en-US" sz="1800" dirty="0" err="1" smtClean="0"/>
-              <a:t>_adj</a:t>
-            </a:r>
-            <a:r>
-              <a:rPr lang="en-US" sz="1800" dirty="0" smtClean="0"/>
-              <a:t> = </a:t>
+              <a:t>cov_mat_adj</a:t>
+            </a:r>
+            <a:r>
+              <a:rPr lang="en-US" sz="1800" dirty="0" smtClean="0"/>
+              <a:t> </a:t>
+            </a:r>
+            <a:r>
+              <a:rPr lang="en-US" sz="1800" dirty="0" smtClean="0"/>
+              <a:t>= </a:t>
             </a:r>
             <a:r>
               <a:rPr lang="en-US" sz="1800" dirty="0" err="1" smtClean="0"/>
@@ -3432,30 +3374,33 @@
               <a:buAutoNum type="arabicPeriod"/>
             </a:pPr>
             <a:r>
-              <a:rPr lang="en-US" sz="1800" dirty="0" smtClean="0"/>
-              <a:t>Add cluster ‘0_0_0_0_0_0_0_0_0_0_0_0_0_0_0_0_0_0’ : </a:t>
-            </a:r>
-            <a:r>
-              <a:rPr lang="en-US" sz="1800" dirty="0" err="1" smtClean="0"/>
-              <a:t>mean_vec</a:t>
-            </a:r>
-            <a:r>
-              <a:rPr lang="en-US" sz="1800" dirty="0" smtClean="0"/>
-              <a:t> = repeat(2.0, 18); </a:t>
-            </a:r>
-            <a:r>
               <a:rPr lang="en-US" sz="1800" dirty="0" err="1" smtClean="0"/>
               <a:t>cov_mat</a:t>
             </a:r>
             <a:r>
               <a:rPr lang="en-US" sz="1800" dirty="0" smtClean="0"/>
-              <a:t> = </a:t>
+              <a:t> </a:t>
+            </a:r>
+            <a:r>
+              <a:rPr lang="en-US" sz="1800" dirty="0" smtClean="0"/>
+              <a:t>[</a:t>
             </a:r>
             <a:r>
               <a:rPr lang="en-US" sz="1800" dirty="0" err="1" smtClean="0"/>
-              <a:t>identity_mat</a:t>
-            </a:r>
-            <a:endParaRPr lang="en-US" sz="1800" dirty="0" smtClean="0"/>
+              <a:t>cov_mat</a:t>
+            </a:r>
+            <a:r>
+              <a:rPr lang="en-US" sz="1800" dirty="0" smtClean="0"/>
+              <a:t> ==</a:t>
+            </a:r>
+            <a:r>
+              <a:rPr lang="en-US" sz="1800" dirty="0" err="1" smtClean="0"/>
+              <a:t>na</a:t>
+            </a:r>
+            <a:r>
+              <a:rPr lang="en-US" sz="1800" dirty="0" smtClean="0"/>
+              <a:t>] = 0.0</a:t>
+            </a:r>
           </a:p>
           <a:p>
             <a:pPr marL="514350" indent="-514350">
@@ -3464,27 +3409,83 @@
             </a:pPr>
             <a:r>
               <a:rPr lang="en-US" sz="1800" dirty="0" err="1" smtClean="0"/>
-              <a:t>cov_mat</a:t>
-            </a:r>
-            <a:r>
-              <a:rPr lang="en-US" sz="1800" dirty="0" smtClean="0"/>
-              <a:t> [</a:t>
+              <a:t>Mvn_log_p_ij</a:t>
+            </a:r>
+            <a:r>
+              <a:rPr lang="en-US" sz="1800" dirty="0" smtClean="0"/>
+              <a:t> = -</a:t>
+            </a:r>
+            <a:r>
+              <a:rPr lang="en-US" sz="1800" dirty="0" smtClean="0"/>
+              <a:t>1/2*log(</a:t>
             </a:r>
             <a:r>
               <a:rPr lang="en-US" sz="1800" dirty="0" err="1" smtClean="0"/>
-              <a:t>cov_mat</a:t>
-            </a:r>
-            <a:r>
-              <a:rPr lang="en-US" sz="1800" dirty="0" smtClean="0"/>
-              <a:t> ==</a:t>
+              <a:t>det</a:t>
+            </a:r>
+            <a:r>
+              <a:rPr lang="en-US" sz="1800" dirty="0" smtClean="0"/>
+              <a:t>(</a:t>
             </a:r>
             <a:r>
               <a:rPr lang="en-US" sz="1800" dirty="0" err="1" smtClean="0"/>
-              <a:t>na</a:t>
-            </a:r>
-            <a:r>
-              <a:rPr lang="en-US" sz="1800" dirty="0" smtClean="0"/>
-              <a:t>] = 0.0</a:t>
+              <a:t>data_sig_cov_ij</a:t>
+            </a:r>
+            <a:r>
+              <a:rPr lang="en-US" sz="1800" dirty="0" smtClean="0"/>
+              <a:t>)) </a:t>
+            </a:r>
+            <a:r>
+              <a:rPr lang="en-US" sz="1800" dirty="0" smtClean="0"/>
+              <a:t>- sum(dot((</a:t>
+            </a:r>
+            <a:r>
+              <a:rPr lang="en-US" sz="1800" dirty="0" err="1" smtClean="0"/>
+              <a:t>data_sig_matrix-data_sig_mean_ij</a:t>
+            </a:r>
+            <a:r>
+              <a:rPr lang="en-US" sz="1800" dirty="0" smtClean="0"/>
+              <a:t>), </a:t>
+            </a:r>
+            <a:r>
+              <a:rPr lang="en-US" sz="1800" dirty="0" err="1" smtClean="0"/>
+              <a:t>inv</a:t>
+            </a:r>
+            <a:r>
+              <a:rPr lang="en-US" sz="1800" dirty="0" smtClean="0"/>
+              <a:t>(</a:t>
+            </a:r>
+            <a:r>
+              <a:rPr lang="en-US" sz="1800" dirty="0" err="1" smtClean="0"/>
+              <a:t>data_sig_cov_ij</a:t>
+            </a:r>
+            <a:r>
+              <a:rPr lang="en-US" sz="1800" dirty="0" smtClean="0"/>
+              <a:t>)) </a:t>
+            </a:r>
+            <a:r>
+              <a:rPr lang="en-US" sz="1800" dirty="0" smtClean="0"/>
+              <a:t>* (</a:t>
+            </a:r>
+            <a:r>
+              <a:rPr lang="en-US" sz="1800" dirty="0" err="1" smtClean="0"/>
+              <a:t>data_sig_matrix-data_sig_mean_ij</a:t>
+            </a:r>
+            <a:r>
+              <a:rPr lang="en-US" sz="1800" dirty="0" smtClean="0"/>
+              <a:t>), axis=1) + </a:t>
+            </a:r>
+            <a:r>
+              <a:rPr lang="en-US" sz="1800" dirty="0" smtClean="0"/>
+              <a:t>log(</a:t>
+            </a:r>
+            <a:r>
+              <a:rPr lang="en-US" sz="1800" dirty="0" err="1" smtClean="0"/>
+              <a:t>data_sig_prior_ij</a:t>
+            </a:r>
+            <a:r>
+              <a:rPr lang="en-US" sz="1800" dirty="0" smtClean="0"/>
+              <a:t>)</a:t>
             </a:r>
           </a:p>
           <a:p>
@@ -3494,15 +3495,15 @@
             </a:pPr>
             <a:r>
               <a:rPr lang="en-US" sz="1800" dirty="0" err="1" smtClean="0"/>
-              <a:t>Mvn_log_p_ij</a:t>
-            </a:r>
-            <a:r>
-              <a:rPr lang="en-US" sz="1800" dirty="0" smtClean="0"/>
-              <a:t> = -1/2*log(</a:t>
+              <a:t>Mvn_p_ij</a:t>
+            </a:r>
+            <a:r>
+              <a:rPr lang="en-US" sz="1800" dirty="0" smtClean="0"/>
+              <a:t>=</a:t>
             </a:r>
             <a:r>
               <a:rPr lang="en-US" sz="1800" dirty="0" err="1" smtClean="0"/>
-              <a:t>det</a:t>
+              <a:t>exp</a:t>
             </a:r>
             <a:r>
               <a:rPr lang="en-US" sz="1800" dirty="0" smtClean="0"/>
@@ -3510,55 +3511,31 @@
             </a:r>
             <a:r>
               <a:rPr lang="en-US" sz="1800" dirty="0" err="1" smtClean="0"/>
-              <a:t>data_sig_cov_ij+small_num</a:t>
-            </a:r>
-            <a:r>
-              <a:rPr lang="en-US" sz="1800" dirty="0" smtClean="0"/>
-              <a:t>)+</a:t>
+              <a:t>mvn_log_p_ij</a:t>
+            </a:r>
+            <a:r>
+              <a:rPr lang="en-US" sz="1800" dirty="0" smtClean="0"/>
+              <a:t>) / sum(</a:t>
             </a:r>
             <a:r>
               <a:rPr lang="en-US" sz="1800" dirty="0" err="1" smtClean="0"/>
-              <a:t>small_num</a:t>
-            </a:r>
-            <a:r>
-              <a:rPr lang="en-US" sz="1800" dirty="0" smtClean="0"/>
-              <a:t>) - sum(dot((</a:t>
+              <a:t>exp</a:t>
+            </a:r>
+            <a:r>
+              <a:rPr lang="en-US" sz="1800" dirty="0" smtClean="0"/>
+              <a:t>(</a:t>
             </a:r>
             <a:r>
               <a:rPr lang="en-US" sz="1800" dirty="0" err="1" smtClean="0"/>
-              <a:t>data_sig_matrix-data_sig_mean_ij</a:t>
-            </a:r>
-            <a:r>
-              <a:rPr lang="en-US" sz="1800" dirty="0" smtClean="0"/>
-              <a:t>), </a:t>
-            </a:r>
-            <a:r>
-              <a:rPr lang="en-US" sz="1800" dirty="0" err="1" smtClean="0"/>
-              <a:t>inv</a:t>
-            </a:r>
-            <a:r>
-              <a:rPr lang="en-US" sz="1800" dirty="0" smtClean="0"/>
-              <a:t>(</a:t>
-            </a:r>
-            <a:r>
-              <a:rPr lang="en-US" sz="1800" dirty="0" err="1" smtClean="0"/>
-              <a:t>data_sig_cov_ij+small_num</a:t>
-            </a:r>
-            <a:r>
-              <a:rPr lang="en-US" sz="1800" dirty="0" smtClean="0"/>
-              <a:t>)) * (</a:t>
-            </a:r>
-            <a:r>
-              <a:rPr lang="en-US" sz="1800" dirty="0" err="1" smtClean="0"/>
-              <a:t>data_sig_matrix-data_sig_mean_ij</a:t>
-            </a:r>
-            <a:r>
-              <a:rPr lang="en-US" sz="1800" dirty="0" smtClean="0"/>
-              <a:t>), axis=1) + log(</a:t>
-            </a:r>
-            <a:r>
-              <a:rPr lang="en-US" sz="1800" dirty="0" err="1" smtClean="0"/>
-              <a:t>data_sig_p_ij</a:t>
+              <a:t>mvn_log_p_ij</a:t>
+            </a:r>
+            <a:r>
+              <a:rPr lang="is-IS" sz="1800" dirty="0" smtClean="0"/>
+              <a:t>…</a:t>
+            </a:r>
+            <a:r>
+              <a:rPr lang="en-US" sz="1800" dirty="0" smtClean="0"/>
+              <a:t>) </a:t>
             </a:r>
             <a:r>
               <a:rPr lang="en-US" sz="1800" dirty="0" smtClean="0"/>
@@ -3571,53 +3548,18 @@
               <a:buAutoNum type="arabicPeriod"/>
             </a:pPr>
             <a:r>
+              <a:rPr lang="en-US" sz="1800" dirty="0" smtClean="0"/>
+              <a:t>If </a:t>
+            </a:r>
+            <a:r>
               <a:rPr lang="en-US" sz="1800" dirty="0" err="1" smtClean="0"/>
               <a:t>Mvn_p_ij</a:t>
             </a:r>
             <a:r>
               <a:rPr lang="en-US" sz="1800" dirty="0" smtClean="0"/>
-              <a:t>=</a:t>
-            </a:r>
-            <a:r>
-              <a:rPr lang="en-US" sz="1800" dirty="0" err="1" smtClean="0"/>
-              <a:t>exp</a:t>
-            </a:r>
-            <a:r>
-              <a:rPr lang="en-US" sz="1800" dirty="0" smtClean="0"/>
-              <a:t>(</a:t>
-            </a:r>
-            <a:r>
-              <a:rPr lang="en-US" sz="1800" dirty="0" err="1" smtClean="0"/>
-              <a:t>mvn_log_p_ij</a:t>
-            </a:r>
-            <a:r>
-              <a:rPr lang="en-US" sz="1800" dirty="0" smtClean="0"/>
-              <a:t>) / sum(</a:t>
-            </a:r>
-            <a:r>
-              <a:rPr lang="en-US" sz="1800" dirty="0" err="1" smtClean="0"/>
-              <a:t>exp</a:t>
-            </a:r>
-            <a:r>
-              <a:rPr lang="en-US" sz="1800" dirty="0" smtClean="0"/>
-              <a:t>(</a:t>
-            </a:r>
-            <a:r>
-              <a:rPr lang="en-US" sz="1800" dirty="0" err="1" smtClean="0"/>
-              <a:t>mvn_log_p_ij</a:t>
-            </a:r>
-            <a:r>
-              <a:rPr lang="is-IS" sz="1800" dirty="0" smtClean="0"/>
-              <a:t>…</a:t>
-            </a:r>
-            <a:r>
-              <a:rPr lang="en-US" sz="1800" dirty="0" smtClean="0"/>
-              <a:t>) </a:t>
-            </a:r>
-            <a:r>
-              <a:rPr lang="en-US" sz="1800" dirty="0" smtClean="0"/>
-              <a:t>)</a:t>
-            </a:r>
+              <a:t>&lt;0.5, assign the sample with label 0_0_0_0_0</a:t>
+            </a:r>
+            <a:endParaRPr lang="en-US" sz="1800" dirty="0" smtClean="0"/>
           </a:p>
           <a:p>
             <a:pPr marL="514350" indent="-514350">
@@ -3634,8 +3576,13 @@
             </a:r>
             <a:r>
               <a:rPr lang="en-US" sz="1800" dirty="0" smtClean="0"/>
-              <a:t> .</a:t>
-            </a:r>
+              <a:t> </a:t>
+            </a:r>
+            <a:r>
+              <a:rPr lang="en-US" sz="1800" dirty="0" smtClean="0"/>
+              <a:t>.</a:t>
+            </a:r>
+            <a:endParaRPr lang="en-US" sz="1800" dirty="0" smtClean="0"/>
           </a:p>
           <a:p>
             <a:pPr marL="514350" indent="-514350">
@@ -3644,15 +3591,11 @@
             </a:pPr>
             <a:r>
               <a:rPr lang="en-US" sz="1800" dirty="0" smtClean="0"/>
-              <a:t>Foe new clusters with less than 100 peak, </a:t>
-            </a:r>
-            <a:r>
-              <a:rPr lang="en-US" sz="1800" dirty="0" err="1" smtClean="0"/>
-              <a:t>relabel</a:t>
-            </a:r>
-            <a:r>
-              <a:rPr lang="en-US" sz="1800" dirty="0" smtClean="0"/>
-              <a:t> them as X_X_X_X_X_X_X_X_X_X_X_X_X_X_X_X_X_X</a:t>
+              <a:t>Foe new clusters with less than 100 peak, relabel them as </a:t>
+            </a:r>
+            <a:r>
+              <a:rPr lang="en-US" sz="1800" dirty="0" smtClean="0"/>
+              <a:t>X_X_X_X_X</a:t>
             </a:r>
             <a:endParaRPr lang="en-US" sz="1800" dirty="0" smtClean="0"/>
           </a:p>
@@ -3663,7 +3606,15 @@
             </a:pPr>
             <a:r>
               <a:rPr lang="en-US" sz="1800" dirty="0" smtClean="0"/>
-              <a:t>Iteration 1:99:</a:t>
+              <a:t>Iteration </a:t>
+            </a:r>
+            <a:r>
+              <a:rPr lang="en-US" sz="1800" dirty="0" smtClean="0"/>
+              <a:t>1-99</a:t>
+            </a:r>
+            <a:r>
+              <a:rPr lang="en-US" sz="1800" dirty="0" smtClean="0"/>
+              <a:t>:</a:t>
             </a:r>
           </a:p>
           <a:p>
@@ -3715,7 +3666,11 @@
             </a:r>
             <a:r>
               <a:rPr lang="en-US" sz="1800" dirty="0" smtClean="0"/>
-              <a:t> = repeat(2.0, 18); </a:t>
+              <a:t> = repeat(2.0, </a:t>
+            </a:r>
+            <a:r>
+              <a:rPr lang="en-US" sz="1800" dirty="0" smtClean="0"/>
+              <a:t>5); </a:t>
             </a:r>
             <a:r>
               <a:rPr lang="en-US" sz="1800" dirty="0" err="1" smtClean="0"/>
@@ -3738,8 +3693,13 @@
             </a:pPr>
             <a:r>
               <a:rPr lang="en-US" sz="1800" dirty="0" smtClean="0"/>
-              <a:t>Redo step 5-13</a:t>
-            </a:r>
+              <a:t>Redo step </a:t>
+            </a:r>
+            <a:r>
+              <a:rPr lang="en-US" sz="1800" dirty="0" smtClean="0"/>
+              <a:t>5,6,7,8,9,10,11,12, 14,15</a:t>
+            </a:r>
+            <a:endParaRPr lang="en-US" sz="1800" dirty="0" smtClean="0"/>
           </a:p>
           <a:p>
             <a:pPr marL="514350" indent="-514350">

--- a/test_data/pipe.pptx
+++ b/test_data/pipe.pptx
@@ -3147,12 +3147,29 @@
             </a:r>
             <a:r>
               <a:rPr lang="en-US" sz="1800" dirty="0" smtClean="0"/>
-              <a:t>each of them has a 0_1 label (0_1 cluster &lt; 100 -&gt; X_X label</a:t>
-            </a:r>
-            <a:r>
-              <a:rPr lang="en-US" sz="1800" dirty="0" smtClean="0"/>
-              <a:t>)</a:t>
-            </a:r>
+              <a:t>each of them has a 0_1 label (0_1 cluster &lt; 100 -&gt; X_X </a:t>
+            </a:r>
+            <a:r>
+              <a:rPr lang="en-US" sz="1800" dirty="0" smtClean="0"/>
+              <a:t>label)</a:t>
+            </a:r>
+            <a:r>
+              <a:rPr lang="en-US" sz="1800" dirty="0" smtClean="0">
+                <a:solidFill>
+                  <a:schemeClr val="bg1">
+                    <a:lumMod val="65000"/>
+                  </a:schemeClr>
+                </a:solidFill>
+              </a:rPr>
+              <a:t>Raw signal add -0.1~0.1 random noise</a:t>
+            </a:r>
+            <a:endParaRPr lang="en-US" sz="1800" dirty="0" smtClean="0">
+              <a:solidFill>
+                <a:schemeClr val="bg1">
+                  <a:lumMod val="65000"/>
+                </a:schemeClr>
+              </a:solidFill>
+            </a:endParaRPr>
           </a:p>
           <a:p>
             <a:pPr marL="514350" indent="-514350">
@@ -3161,9 +3178,8 @@
             </a:pPr>
             <a:r>
               <a:rPr lang="en-US" sz="1800" dirty="0" smtClean="0"/>
-              <a:t>Raw signal add -0.1~0.1 random noise</a:t>
-            </a:r>
-            <a:endParaRPr lang="en-US" sz="1800" dirty="0" smtClean="0"/>
+              <a:t>Iteration 0:</a:t>
+            </a:r>
           </a:p>
           <a:p>
             <a:pPr marL="514350" indent="-514350">
@@ -3172,7 +3188,19 @@
             </a:pPr>
             <a:r>
               <a:rPr lang="en-US" sz="1800" dirty="0" smtClean="0"/>
-              <a:t>Iteration 0:</a:t>
+              <a:t>Assign 210000 </a:t>
+            </a:r>
+            <a:r>
+              <a:rPr lang="en-US" sz="1800" dirty="0" smtClean="0"/>
+              <a:t>peaks </a:t>
+            </a:r>
+            <a:r>
+              <a:rPr lang="en-US" sz="1800" dirty="0" smtClean="0"/>
+              <a:t>into 20 clusters based </a:t>
+            </a:r>
+            <a:r>
+              <a:rPr lang="en-US" sz="1800" dirty="0" smtClean="0"/>
+              <a:t>on 0_1 label</a:t>
             </a:r>
           </a:p>
           <a:p>
@@ -3182,19 +3210,39 @@
             </a:pPr>
             <a:r>
               <a:rPr lang="en-US" sz="1800" dirty="0" smtClean="0"/>
-              <a:t>Assign 210000 </a:t>
-            </a:r>
-            <a:r>
-              <a:rPr lang="en-US" sz="1800" dirty="0" smtClean="0"/>
-              <a:t>peaks </a:t>
-            </a:r>
-            <a:r>
-              <a:rPr lang="en-US" sz="1800" dirty="0" smtClean="0"/>
-              <a:t>into 20 clusters based </a:t>
-            </a:r>
-            <a:r>
-              <a:rPr lang="en-US" sz="1800" dirty="0" smtClean="0"/>
-              <a:t>on 0_1 label</a:t>
+              <a:t>For each cluster get the </a:t>
+            </a:r>
+            <a:r>
+              <a:rPr lang="en-US" sz="1800" dirty="0" err="1" smtClean="0"/>
+              <a:t>mean_vec</a:t>
+            </a:r>
+            <a:r>
+              <a:rPr lang="en-US" sz="1800" dirty="0" smtClean="0"/>
+              <a:t> &amp; </a:t>
+            </a:r>
+            <a:r>
+              <a:rPr lang="en-US" sz="1800" dirty="0" err="1" smtClean="0"/>
+              <a:t>cov_mat</a:t>
+            </a:r>
+            <a:r>
+              <a:rPr lang="en-US" sz="1800" dirty="0" smtClean="0"/>
+              <a:t> &amp; </a:t>
+            </a:r>
+            <a:r>
+              <a:rPr lang="en-US" sz="1800" dirty="0" err="1" smtClean="0"/>
+              <a:t>prior_p</a:t>
+            </a:r>
+            <a:r>
+              <a:rPr lang="en-US" sz="1800" dirty="0" smtClean="0"/>
+              <a:t> = </a:t>
+            </a:r>
+            <a:r>
+              <a:rPr lang="en-US" sz="1800" dirty="0" err="1" smtClean="0"/>
+              <a:t>num_cluster</a:t>
+            </a:r>
+            <a:r>
+              <a:rPr lang="en-US" sz="1800" dirty="0" smtClean="0"/>
+              <a:t>/210000</a:t>
             </a:r>
           </a:p>
           <a:p>
@@ -3203,41 +3251,14 @@
               <a:buAutoNum type="arabicPeriod"/>
             </a:pPr>
             <a:r>
-              <a:rPr lang="en-US" sz="1800" dirty="0" smtClean="0"/>
-              <a:t>For each cluster get the </a:t>
+              <a:rPr lang="en-US" sz="1800" smtClean="0"/>
+              <a:t>Add </a:t>
             </a:r>
             <a:r>
               <a:rPr lang="en-US" sz="1800" dirty="0" err="1" smtClean="0"/>
-              <a:t>mean_vec</a:t>
-            </a:r>
-            <a:r>
-              <a:rPr lang="en-US" sz="1800" dirty="0" smtClean="0"/>
-              <a:t> &amp; </a:t>
-            </a:r>
-            <a:r>
-              <a:rPr lang="en-US" sz="1800" dirty="0" err="1" smtClean="0"/>
-              <a:t>cov_mat</a:t>
-            </a:r>
-            <a:r>
-              <a:rPr lang="en-US" sz="1800" dirty="0" smtClean="0"/>
-              <a:t> &amp; </a:t>
-            </a:r>
-            <a:r>
-              <a:rPr lang="en-US" sz="1800" dirty="0" err="1" smtClean="0"/>
-              <a:t>prior_p</a:t>
-            </a:r>
-            <a:r>
-              <a:rPr lang="en-US" sz="1800" dirty="0" smtClean="0"/>
-              <a:t> = </a:t>
-            </a:r>
-            <a:r>
-              <a:rPr lang="en-US" sz="1800" dirty="0" err="1" smtClean="0"/>
-              <a:t>num_cluster</a:t>
-            </a:r>
-            <a:r>
-              <a:rPr lang="en-US" sz="1800" dirty="0" smtClean="0"/>
-              <a:t>/210000</a:t>
-            </a:r>
+              <a:t>identity_mat</a:t>
+            </a:r>
+            <a:endParaRPr lang="en-US" sz="1800" dirty="0" smtClean="0"/>
           </a:p>
           <a:p>
             <a:pPr marL="514350" indent="-514350">
@@ -3322,8 +3343,16 @@
               <a:t>(3.0)] = </a:t>
             </a:r>
             <a:r>
-              <a:rPr lang="en-US" sz="1800" dirty="0" smtClean="0"/>
-              <a:t>3.0</a:t>
+              <a:rPr lang="en-US" sz="1800" dirty="0" err="1" smtClean="0"/>
+              <a:t>sqrt</a:t>
+            </a:r>
+            <a:r>
+              <a:rPr lang="en-US" sz="1800" dirty="0" smtClean="0"/>
+              <a:t>(</a:t>
+            </a:r>
+            <a:r>
+              <a:rPr lang="en-US" sz="1800" dirty="0" smtClean="0"/>
+              <a:t>3.0)</a:t>
             </a:r>
           </a:p>
           <a:p>

--- a/test_data/pipe.pptx
+++ b/test_data/pipe.pptx
@@ -6,6 +6,8 @@
   </p:sldMasterIdLst>
   <p:sldIdLst>
     <p:sldId id="257" r:id="rId2"/>
+    <p:sldId id="258" r:id="rId3"/>
+    <p:sldId id="259" r:id="rId4"/>
   </p:sldIdLst>
   <p:sldSz cx="9144000" cy="6858000" type="screen4x3"/>
   <p:notesSz cx="6858000" cy="9144000"/>
@@ -3251,7 +3253,7 @@
               <a:buAutoNum type="arabicPeriod"/>
             </a:pPr>
             <a:r>
-              <a:rPr lang="en-US" sz="1800" smtClean="0"/>
+              <a:rPr lang="en-US" sz="1800" dirty="0" smtClean="0"/>
               <a:t>Add </a:t>
             </a:r>
             <a:r>
@@ -3438,11 +3440,15 @@
             </a:pPr>
             <a:r>
               <a:rPr lang="en-US" sz="1800" dirty="0" err="1" smtClean="0"/>
-              <a:t>Mvn_log_p_ij</a:t>
-            </a:r>
-            <a:r>
-              <a:rPr lang="en-US" sz="1800" dirty="0" smtClean="0"/>
-              <a:t> = -</a:t>
+              <a:t>Mvn_log_p_j</a:t>
+            </a:r>
+            <a:r>
+              <a:rPr lang="en-US" sz="1800" dirty="0" smtClean="0"/>
+              <a:t> </a:t>
+            </a:r>
+            <a:r>
+              <a:rPr lang="en-US" sz="1800" dirty="0" smtClean="0"/>
+              <a:t>= -</a:t>
             </a:r>
             <a:r>
               <a:rPr lang="en-US" sz="1800" dirty="0" smtClean="0"/>
@@ -3458,7 +3464,7 @@
             </a:r>
             <a:r>
               <a:rPr lang="en-US" sz="1800" dirty="0" err="1" smtClean="0"/>
-              <a:t>data_sig_cov_ij</a:t>
+              <a:t>data_sig_cov_j</a:t>
             </a:r>
             <a:r>
               <a:rPr lang="en-US" sz="1800" dirty="0" smtClean="0"/>
@@ -3470,7 +3476,7 @@
             </a:r>
             <a:r>
               <a:rPr lang="en-US" sz="1800" dirty="0" err="1" smtClean="0"/>
-              <a:t>data_sig_matrix-data_sig_mean_ij</a:t>
+              <a:t>data_sig_matrix-data_sig_mean_j</a:t>
             </a:r>
             <a:r>
               <a:rPr lang="en-US" sz="1800" dirty="0" smtClean="0"/>
@@ -3486,7 +3492,7 @@
             </a:r>
             <a:r>
               <a:rPr lang="en-US" sz="1800" dirty="0" err="1" smtClean="0"/>
-              <a:t>data_sig_cov_ij</a:t>
+              <a:t>data_sig_cov_j</a:t>
             </a:r>
             <a:r>
               <a:rPr lang="en-US" sz="1800" dirty="0" smtClean="0"/>
@@ -3498,7 +3504,7 @@
             </a:r>
             <a:r>
               <a:rPr lang="en-US" sz="1800" dirty="0" err="1" smtClean="0"/>
-              <a:t>data_sig_matrix-data_sig_mean_ij</a:t>
+              <a:t>data_sig_matrix-data_sig_mean_j</a:t>
             </a:r>
             <a:r>
               <a:rPr lang="en-US" sz="1800" dirty="0" smtClean="0"/>
@@ -3578,7 +3584,7 @@
             </a:pPr>
             <a:r>
               <a:rPr lang="en-US" sz="1800" dirty="0" smtClean="0"/>
-              <a:t>If </a:t>
+              <a:t>### If </a:t>
             </a:r>
             <a:r>
               <a:rPr lang="en-US" sz="1800" dirty="0" err="1" smtClean="0"/>
@@ -3620,7 +3626,11 @@
             </a:pPr>
             <a:r>
               <a:rPr lang="en-US" sz="1800" dirty="0" smtClean="0"/>
-              <a:t>Foe new clusters with less than 100 peak, relabel them as </a:t>
+              <a:t>For </a:t>
+            </a:r>
+            <a:r>
+              <a:rPr lang="en-US" sz="1800" dirty="0" smtClean="0"/>
+              <a:t>new clusters with less than 100 peak, relabel them as </a:t>
             </a:r>
             <a:r>
               <a:rPr lang="en-US" sz="1800" dirty="0" smtClean="0"/>
@@ -3780,6 +3790,566 @@
     <p:extLst>
       <p:ext uri="{BB962C8B-B14F-4D97-AF65-F5344CB8AC3E}">
         <p14:creationId xmlns:p14="http://schemas.microsoft.com/office/powerpoint/2010/main" val="1840562224"/>
+      </p:ext>
+    </p:extLst>
+  </p:cSld>
+  <p:clrMapOvr>
+    <a:masterClrMapping/>
+  </p:clrMapOvr>
+</p:sld>
+</file>
+
+<file path=ppt/slides/slide2.xml><?xml version="1.0" encoding="utf-8"?>
+<p:sld xmlns:a="http://schemas.openxmlformats.org/drawingml/2006/main" xmlns:r="http://schemas.openxmlformats.org/officeDocument/2006/relationships" xmlns:p="http://schemas.openxmlformats.org/presentationml/2006/main">
+  <p:cSld>
+    <p:spTree>
+      <p:nvGrpSpPr>
+        <p:cNvPr id="1" name=""/>
+        <p:cNvGrpSpPr/>
+        <p:nvPr/>
+      </p:nvGrpSpPr>
+      <p:grpSpPr>
+        <a:xfrm>
+          <a:off x="0" y="0"/>
+          <a:ext cx="0" cy="0"/>
+          <a:chOff x="0" y="0"/>
+          <a:chExt cx="0" cy="0"/>
+        </a:xfrm>
+      </p:grpSpPr>
+      <p:pic>
+        <p:nvPicPr>
+          <p:cNvPr id="4" name="Picture 3"/>
+          <p:cNvPicPr>
+            <a:picLocks/>
+          </p:cNvPicPr>
+          <p:nvPr/>
+        </p:nvPicPr>
+        <p:blipFill>
+          <a:blip r:embed="rId2">
+            <a:extLst>
+              <a:ext uri="{28A0092B-C50C-407E-A947-70E740481C1C}">
+                <a14:useLocalDpi xmlns:a14="http://schemas.microsoft.com/office/drawing/2010/main" val="0"/>
+              </a:ext>
+            </a:extLst>
+          </a:blip>
+          <a:stretch>
+            <a:fillRect/>
+          </a:stretch>
+        </p:blipFill>
+        <p:spPr>
+          <a:xfrm>
+            <a:off x="612648" y="1097280"/>
+            <a:ext cx="2743200" cy="5486400"/>
+          </a:xfrm>
+          <a:prstGeom prst="rect">
+            <a:avLst/>
+          </a:prstGeom>
+        </p:spPr>
+      </p:pic>
+      <p:pic>
+        <p:nvPicPr>
+          <p:cNvPr id="5" name="Picture 4"/>
+          <p:cNvPicPr>
+            <a:picLocks/>
+          </p:cNvPicPr>
+          <p:nvPr/>
+        </p:nvPicPr>
+        <p:blipFill>
+          <a:blip r:embed="rId3">
+            <a:extLst>
+              <a:ext uri="{28A0092B-C50C-407E-A947-70E740481C1C}">
+                <a14:useLocalDpi xmlns:a14="http://schemas.microsoft.com/office/drawing/2010/main" val="0"/>
+              </a:ext>
+            </a:extLst>
+          </a:blip>
+          <a:stretch>
+            <a:fillRect/>
+          </a:stretch>
+        </p:blipFill>
+        <p:spPr>
+          <a:xfrm>
+            <a:off x="6202680" y="1097280"/>
+            <a:ext cx="2743200" cy="5486400"/>
+          </a:xfrm>
+          <a:prstGeom prst="rect">
+            <a:avLst/>
+          </a:prstGeom>
+        </p:spPr>
+      </p:pic>
+      <p:pic>
+        <p:nvPicPr>
+          <p:cNvPr id="6" name="Picture 5"/>
+          <p:cNvPicPr>
+            <a:picLocks noChangeAspect="1"/>
+          </p:cNvPicPr>
+          <p:nvPr/>
+        </p:nvPicPr>
+        <p:blipFill>
+          <a:blip r:embed="rId4">
+            <a:extLst>
+              <a:ext uri="{28A0092B-C50C-407E-A947-70E740481C1C}">
+                <a14:useLocalDpi xmlns:a14="http://schemas.microsoft.com/office/drawing/2010/main" val="0"/>
+              </a:ext>
+            </a:extLst>
+          </a:blip>
+          <a:stretch>
+            <a:fillRect/>
+          </a:stretch>
+        </p:blipFill>
+        <p:spPr>
+          <a:xfrm>
+            <a:off x="3375660" y="1097280"/>
+            <a:ext cx="2560320" cy="2560320"/>
+          </a:xfrm>
+          <a:prstGeom prst="rect">
+            <a:avLst/>
+          </a:prstGeom>
+        </p:spPr>
+      </p:pic>
+      <p:sp>
+        <p:nvSpPr>
+          <p:cNvPr id="7" name="TextBox 6"/>
+          <p:cNvSpPr txBox="1"/>
+          <p:nvPr/>
+        </p:nvSpPr>
+        <p:spPr>
+          <a:xfrm>
+            <a:off x="541020" y="512505"/>
+            <a:ext cx="2788920" cy="584775"/>
+          </a:xfrm>
+          <a:prstGeom prst="rect">
+            <a:avLst/>
+          </a:prstGeom>
+          <a:noFill/>
+        </p:spPr>
+        <p:txBody>
+          <a:bodyPr wrap="square" rtlCol="0">
+            <a:spAutoFit/>
+          </a:bodyPr>
+          <a:lstStyle/>
+          <a:p>
+            <a:r>
+              <a:rPr lang="en-US" sz="1600" dirty="0" smtClean="0"/>
+              <a:t>Use Homer peak calling label (</a:t>
+            </a:r>
+            <a:r>
+              <a:rPr lang="en-US" sz="1600" dirty="0" err="1" smtClean="0"/>
+              <a:t>PKnorm</a:t>
+            </a:r>
+            <a:r>
+              <a:rPr lang="en-US" sz="1600" dirty="0" smtClean="0"/>
+              <a:t> signal) (10 cell types)</a:t>
+            </a:r>
+            <a:endParaRPr lang="en-US" sz="1600" dirty="0"/>
+          </a:p>
+        </p:txBody>
+      </p:sp>
+      <p:sp>
+        <p:nvSpPr>
+          <p:cNvPr id="8" name="TextBox 7"/>
+          <p:cNvSpPr txBox="1"/>
+          <p:nvPr/>
+        </p:nvSpPr>
+        <p:spPr>
+          <a:xfrm>
+            <a:off x="6202680" y="758726"/>
+            <a:ext cx="2788920" cy="338554"/>
+          </a:xfrm>
+          <a:prstGeom prst="rect">
+            <a:avLst/>
+          </a:prstGeom>
+          <a:noFill/>
+        </p:spPr>
+        <p:txBody>
+          <a:bodyPr wrap="square" rtlCol="0">
+            <a:spAutoFit/>
+          </a:bodyPr>
+          <a:lstStyle/>
+          <a:p>
+            <a:r>
+              <a:rPr lang="en-US" sz="1600" smtClean="0"/>
+              <a:t>Reassign labels based on MVN</a:t>
+            </a:r>
+            <a:endParaRPr lang="en-US" sz="1600" dirty="0"/>
+          </a:p>
+        </p:txBody>
+      </p:sp>
+      <p:sp>
+        <p:nvSpPr>
+          <p:cNvPr id="9" name="TextBox 8"/>
+          <p:cNvSpPr txBox="1"/>
+          <p:nvPr/>
+        </p:nvSpPr>
+        <p:spPr>
+          <a:xfrm>
+            <a:off x="3438144" y="266283"/>
+            <a:ext cx="2471928" cy="830997"/>
+          </a:xfrm>
+          <a:prstGeom prst="rect">
+            <a:avLst/>
+          </a:prstGeom>
+          <a:noFill/>
+        </p:spPr>
+        <p:txBody>
+          <a:bodyPr wrap="square" rtlCol="0">
+            <a:spAutoFit/>
+          </a:bodyPr>
+          <a:lstStyle/>
+          <a:p>
+            <a:r>
+              <a:rPr lang="en-US" sz="1600" dirty="0" smtClean="0"/>
+              <a:t>New label is based on the mean signal of each cell in the new </a:t>
+            </a:r>
+            <a:r>
+              <a:rPr lang="en-US" sz="1600" dirty="0" err="1" smtClean="0"/>
+              <a:t>heatmap</a:t>
+            </a:r>
+            <a:r>
+              <a:rPr lang="en-US" sz="1600" dirty="0" smtClean="0"/>
+              <a:t>.</a:t>
+            </a:r>
+            <a:endParaRPr lang="en-US" sz="1600" dirty="0"/>
+          </a:p>
+        </p:txBody>
+      </p:sp>
+      <p:pic>
+        <p:nvPicPr>
+          <p:cNvPr id="10" name="Picture 9"/>
+          <p:cNvPicPr>
+            <a:picLocks noChangeAspect="1"/>
+          </p:cNvPicPr>
+          <p:nvPr/>
+        </p:nvPicPr>
+        <p:blipFill>
+          <a:blip r:embed="rId5">
+            <a:extLst>
+              <a:ext uri="{28A0092B-C50C-407E-A947-70E740481C1C}">
+                <a14:useLocalDpi xmlns:a14="http://schemas.microsoft.com/office/drawing/2010/main" val="0"/>
+              </a:ext>
+            </a:extLst>
+          </a:blip>
+          <a:stretch>
+            <a:fillRect/>
+          </a:stretch>
+        </p:blipFill>
+        <p:spPr>
+          <a:xfrm>
+            <a:off x="3355848" y="4224528"/>
+            <a:ext cx="2560320" cy="2560320"/>
+          </a:xfrm>
+          <a:prstGeom prst="rect">
+            <a:avLst/>
+          </a:prstGeom>
+        </p:spPr>
+      </p:pic>
+      <p:sp>
+        <p:nvSpPr>
+          <p:cNvPr id="11" name="TextBox 10"/>
+          <p:cNvSpPr txBox="1"/>
+          <p:nvPr/>
+        </p:nvSpPr>
+        <p:spPr>
+          <a:xfrm>
+            <a:off x="3378708" y="3657600"/>
+            <a:ext cx="2471928" cy="830997"/>
+          </a:xfrm>
+          <a:prstGeom prst="rect">
+            <a:avLst/>
+          </a:prstGeom>
+          <a:noFill/>
+        </p:spPr>
+        <p:txBody>
+          <a:bodyPr wrap="square" rtlCol="0">
+            <a:spAutoFit/>
+          </a:bodyPr>
+          <a:lstStyle/>
+          <a:p>
+            <a:r>
+              <a:rPr lang="en-US" sz="1600" dirty="0" smtClean="0"/>
+              <a:t>The Number of peaks that change labels in each iteration.</a:t>
+            </a:r>
+            <a:endParaRPr lang="en-US" sz="1600" dirty="0"/>
+          </a:p>
+        </p:txBody>
+      </p:sp>
+      <p:sp>
+        <p:nvSpPr>
+          <p:cNvPr id="12" name="Rectangle 11"/>
+          <p:cNvSpPr/>
+          <p:nvPr/>
+        </p:nvSpPr>
+        <p:spPr>
+          <a:xfrm rot="16200000">
+            <a:off x="-350570" y="3180547"/>
+            <a:ext cx="1413849" cy="369332"/>
+          </a:xfrm>
+          <a:prstGeom prst="rect">
+            <a:avLst/>
+          </a:prstGeom>
+        </p:spPr>
+        <p:txBody>
+          <a:bodyPr wrap="none">
+            <a:spAutoFit/>
+          </a:bodyPr>
+          <a:lstStyle/>
+          <a:p>
+            <a:r>
+              <a:rPr lang="en-US" dirty="0" smtClean="0"/>
+              <a:t>62 index-sets</a:t>
+            </a:r>
+            <a:endParaRPr lang="en-US" dirty="0"/>
+          </a:p>
+        </p:txBody>
+      </p:sp>
+      <p:sp>
+        <p:nvSpPr>
+          <p:cNvPr id="13" name="Rectangle 12"/>
+          <p:cNvSpPr/>
+          <p:nvPr/>
+        </p:nvSpPr>
+        <p:spPr>
+          <a:xfrm rot="16200000">
+            <a:off x="5319734" y="3180547"/>
+            <a:ext cx="1413849" cy="369332"/>
+          </a:xfrm>
+          <a:prstGeom prst="rect">
+            <a:avLst/>
+          </a:prstGeom>
+        </p:spPr>
+        <p:txBody>
+          <a:bodyPr wrap="none">
+            <a:spAutoFit/>
+          </a:bodyPr>
+          <a:lstStyle/>
+          <a:p>
+            <a:r>
+              <a:rPr lang="en-US" dirty="0" smtClean="0"/>
+              <a:t>51 index-sets</a:t>
+            </a:r>
+            <a:endParaRPr lang="en-US" dirty="0"/>
+          </a:p>
+        </p:txBody>
+      </p:sp>
+    </p:spTree>
+    <p:extLst>
+      <p:ext uri="{BB962C8B-B14F-4D97-AF65-F5344CB8AC3E}">
+        <p14:creationId xmlns:p14="http://schemas.microsoft.com/office/powerpoint/2010/main" val="1213745085"/>
+      </p:ext>
+    </p:extLst>
+  </p:cSld>
+  <p:clrMapOvr>
+    <a:masterClrMapping/>
+  </p:clrMapOvr>
+</p:sld>
+</file>
+
+<file path=ppt/slides/slide3.xml><?xml version="1.0" encoding="utf-8"?>
+<p:sld xmlns:a="http://schemas.openxmlformats.org/drawingml/2006/main" xmlns:r="http://schemas.openxmlformats.org/officeDocument/2006/relationships" xmlns:p="http://schemas.openxmlformats.org/presentationml/2006/main">
+  <p:cSld>
+    <p:spTree>
+      <p:nvGrpSpPr>
+        <p:cNvPr id="1" name=""/>
+        <p:cNvGrpSpPr/>
+        <p:nvPr/>
+      </p:nvGrpSpPr>
+      <p:grpSpPr>
+        <a:xfrm>
+          <a:off x="0" y="0"/>
+          <a:ext cx="0" cy="0"/>
+          <a:chOff x="0" y="0"/>
+          <a:chExt cx="0" cy="0"/>
+        </a:xfrm>
+      </p:grpSpPr>
+      <p:pic>
+        <p:nvPicPr>
+          <p:cNvPr id="6" name="Picture 5"/>
+          <p:cNvPicPr>
+            <a:picLocks/>
+          </p:cNvPicPr>
+          <p:nvPr/>
+        </p:nvPicPr>
+        <p:blipFill>
+          <a:blip r:embed="rId2">
+            <a:extLst>
+              <a:ext uri="{28A0092B-C50C-407E-A947-70E740481C1C}">
+                <a14:useLocalDpi xmlns:a14="http://schemas.microsoft.com/office/drawing/2010/main" val="0"/>
+              </a:ext>
+            </a:extLst>
+          </a:blip>
+          <a:stretch>
+            <a:fillRect/>
+          </a:stretch>
+        </p:blipFill>
+        <p:spPr>
+          <a:xfrm>
+            <a:off x="5020056" y="978408"/>
+            <a:ext cx="3657600" cy="5486400"/>
+          </a:xfrm>
+          <a:prstGeom prst="rect">
+            <a:avLst/>
+          </a:prstGeom>
+        </p:spPr>
+      </p:pic>
+      <p:pic>
+        <p:nvPicPr>
+          <p:cNvPr id="7" name="Picture 6"/>
+          <p:cNvPicPr>
+            <a:picLocks/>
+          </p:cNvPicPr>
+          <p:nvPr/>
+        </p:nvPicPr>
+        <p:blipFill>
+          <a:blip r:embed="rId3">
+            <a:extLst>
+              <a:ext uri="{28A0092B-C50C-407E-A947-70E740481C1C}">
+                <a14:useLocalDpi xmlns:a14="http://schemas.microsoft.com/office/drawing/2010/main" val="0"/>
+              </a:ext>
+            </a:extLst>
+          </a:blip>
+          <a:stretch>
+            <a:fillRect/>
+          </a:stretch>
+        </p:blipFill>
+        <p:spPr>
+          <a:xfrm>
+            <a:off x="886968" y="978408"/>
+            <a:ext cx="3657600" cy="5486400"/>
+          </a:xfrm>
+          <a:prstGeom prst="rect">
+            <a:avLst/>
+          </a:prstGeom>
+        </p:spPr>
+      </p:pic>
+      <p:sp>
+        <p:nvSpPr>
+          <p:cNvPr id="8" name="TextBox 7"/>
+          <p:cNvSpPr txBox="1"/>
+          <p:nvPr/>
+        </p:nvSpPr>
+        <p:spPr>
+          <a:xfrm>
+            <a:off x="886968" y="393633"/>
+            <a:ext cx="2788920" cy="584775"/>
+          </a:xfrm>
+          <a:prstGeom prst="rect">
+            <a:avLst/>
+          </a:prstGeom>
+          <a:noFill/>
+        </p:spPr>
+        <p:txBody>
+          <a:bodyPr wrap="square" rtlCol="0">
+            <a:spAutoFit/>
+          </a:bodyPr>
+          <a:lstStyle/>
+          <a:p>
+            <a:r>
+              <a:rPr lang="en-US" sz="1600" dirty="0" smtClean="0"/>
+              <a:t>Use Homer peak calling label (</a:t>
+            </a:r>
+            <a:r>
+              <a:rPr lang="en-US" sz="1600" dirty="0" err="1" smtClean="0"/>
+              <a:t>PKnorm</a:t>
+            </a:r>
+            <a:r>
+              <a:rPr lang="en-US" sz="1600" dirty="0" smtClean="0"/>
+              <a:t> signal) (18 cell types)</a:t>
+            </a:r>
+            <a:endParaRPr lang="en-US" sz="1600" dirty="0"/>
+          </a:p>
+        </p:txBody>
+      </p:sp>
+      <p:sp>
+        <p:nvSpPr>
+          <p:cNvPr id="9" name="TextBox 8"/>
+          <p:cNvSpPr txBox="1"/>
+          <p:nvPr/>
+        </p:nvSpPr>
+        <p:spPr>
+          <a:xfrm>
+            <a:off x="4983478" y="639854"/>
+            <a:ext cx="2788920" cy="338554"/>
+          </a:xfrm>
+          <a:prstGeom prst="rect">
+            <a:avLst/>
+          </a:prstGeom>
+          <a:noFill/>
+        </p:spPr>
+        <p:txBody>
+          <a:bodyPr wrap="square" rtlCol="0">
+            <a:spAutoFit/>
+          </a:bodyPr>
+          <a:lstStyle/>
+          <a:p>
+            <a:r>
+              <a:rPr lang="en-US" sz="1600" smtClean="0"/>
+              <a:t>Reassign labels based on MVN</a:t>
+            </a:r>
+            <a:endParaRPr lang="en-US" sz="1600" dirty="0"/>
+          </a:p>
+        </p:txBody>
+      </p:sp>
+      <p:sp>
+        <p:nvSpPr>
+          <p:cNvPr id="10" name="Rectangle 9"/>
+          <p:cNvSpPr/>
+          <p:nvPr/>
+        </p:nvSpPr>
+        <p:spPr>
+          <a:xfrm rot="16200000">
+            <a:off x="-207648" y="3190533"/>
+            <a:ext cx="1530868" cy="369332"/>
+          </a:xfrm>
+          <a:prstGeom prst="rect">
+            <a:avLst/>
+          </a:prstGeom>
+        </p:spPr>
+        <p:txBody>
+          <a:bodyPr wrap="none">
+            <a:spAutoFit/>
+          </a:bodyPr>
+          <a:lstStyle/>
+          <a:p>
+            <a:r>
+              <a:rPr lang="en-US" dirty="0" smtClean="0"/>
+              <a:t>217 index-sets</a:t>
+            </a:r>
+            <a:endParaRPr lang="en-US" dirty="0"/>
+          </a:p>
+        </p:txBody>
+      </p:sp>
+      <p:sp>
+        <p:nvSpPr>
+          <p:cNvPr id="11" name="Rectangle 10"/>
+          <p:cNvSpPr/>
+          <p:nvPr/>
+        </p:nvSpPr>
+        <p:spPr>
+          <a:xfrm rot="16200000">
+            <a:off x="4033379" y="3190533"/>
+            <a:ext cx="1530868" cy="369332"/>
+          </a:xfrm>
+          <a:prstGeom prst="rect">
+            <a:avLst/>
+          </a:prstGeom>
+        </p:spPr>
+        <p:txBody>
+          <a:bodyPr wrap="none">
+            <a:spAutoFit/>
+          </a:bodyPr>
+          <a:lstStyle/>
+          <a:p>
+            <a:r>
+              <a:rPr lang="en-US" dirty="0" smtClean="0"/>
+              <a:t>109 index-sets</a:t>
+            </a:r>
+            <a:endParaRPr lang="en-US" dirty="0"/>
+          </a:p>
+        </p:txBody>
+      </p:sp>
+    </p:spTree>
+    <p:extLst>
+      <p:ext uri="{BB962C8B-B14F-4D97-AF65-F5344CB8AC3E}">
+        <p14:creationId xmlns:p14="http://schemas.microsoft.com/office/powerpoint/2010/main" val="30200043"/>
       </p:ext>
     </p:extLst>
   </p:cSld>

--- a/test_data/pipe.pptx
+++ b/test_data/pipe.pptx
@@ -7,7 +7,9 @@
   <p:sldIdLst>
     <p:sldId id="257" r:id="rId2"/>
     <p:sldId id="258" r:id="rId3"/>
-    <p:sldId id="259" r:id="rId4"/>
+    <p:sldId id="260" r:id="rId4"/>
+    <p:sldId id="261" r:id="rId5"/>
+    <p:sldId id="259" r:id="rId6"/>
   </p:sldIdLst>
   <p:sldSz cx="9144000" cy="6858000" type="screen4x3"/>
   <p:notesSz cx="6858000" cy="9144000"/>
@@ -108,7 +110,7 @@
   </p:defaultTextStyle>
   <p:extLst>
     <p:ext uri="{EFAFB233-063F-42B5-8137-9DF3F51BA10A}">
-      <p15:sldGuideLst xmlns:p15="http://schemas.microsoft.com/office/powerpoint/2012/main">
+      <p15:sldGuideLst xmlns:p15="http://schemas.microsoft.com/office/powerpoint/2012/main" xmlns="">
         <p15:guide id="1" orient="horz" pos="2160">
           <p15:clr>
             <a:srgbClr val="A4A3A4"/>
@@ -306,7 +308,7 @@
           <a:p>
             <a:fld id="{50BDA994-C125-5048-A69B-C179FD457A2E}" type="datetimeFigureOut">
               <a:rPr lang="en-US" smtClean="0"/>
-              <a:t>7/6/18</a:t>
+              <a:t>7/9/18</a:t>
             </a:fld>
             <a:endParaRPr lang="en-US"/>
           </a:p>
@@ -476,7 +478,7 @@
           <a:p>
             <a:fld id="{50BDA994-C125-5048-A69B-C179FD457A2E}" type="datetimeFigureOut">
               <a:rPr lang="en-US" smtClean="0"/>
-              <a:t>7/6/18</a:t>
+              <a:t>7/9/18</a:t>
             </a:fld>
             <a:endParaRPr lang="en-US"/>
           </a:p>
@@ -656,7 +658,7 @@
           <a:p>
             <a:fld id="{50BDA994-C125-5048-A69B-C179FD457A2E}" type="datetimeFigureOut">
               <a:rPr lang="en-US" smtClean="0"/>
-              <a:t>7/6/18</a:t>
+              <a:t>7/9/18</a:t>
             </a:fld>
             <a:endParaRPr lang="en-US"/>
           </a:p>
@@ -826,7 +828,7 @@
           <a:p>
             <a:fld id="{50BDA994-C125-5048-A69B-C179FD457A2E}" type="datetimeFigureOut">
               <a:rPr lang="en-US" smtClean="0"/>
-              <a:t>7/6/18</a:t>
+              <a:t>7/9/18</a:t>
             </a:fld>
             <a:endParaRPr lang="en-US"/>
           </a:p>
@@ -1072,7 +1074,7 @@
           <a:p>
             <a:fld id="{50BDA994-C125-5048-A69B-C179FD457A2E}" type="datetimeFigureOut">
               <a:rPr lang="en-US" smtClean="0"/>
-              <a:t>7/6/18</a:t>
+              <a:t>7/9/18</a:t>
             </a:fld>
             <a:endParaRPr lang="en-US"/>
           </a:p>
@@ -1360,7 +1362,7 @@
           <a:p>
             <a:fld id="{50BDA994-C125-5048-A69B-C179FD457A2E}" type="datetimeFigureOut">
               <a:rPr lang="en-US" smtClean="0"/>
-              <a:t>7/6/18</a:t>
+              <a:t>7/9/18</a:t>
             </a:fld>
             <a:endParaRPr lang="en-US"/>
           </a:p>
@@ -1782,7 +1784,7 @@
           <a:p>
             <a:fld id="{50BDA994-C125-5048-A69B-C179FD457A2E}" type="datetimeFigureOut">
               <a:rPr lang="en-US" smtClean="0"/>
-              <a:t>7/6/18</a:t>
+              <a:t>7/9/18</a:t>
             </a:fld>
             <a:endParaRPr lang="en-US"/>
           </a:p>
@@ -1900,7 +1902,7 @@
           <a:p>
             <a:fld id="{50BDA994-C125-5048-A69B-C179FD457A2E}" type="datetimeFigureOut">
               <a:rPr lang="en-US" smtClean="0"/>
-              <a:t>7/6/18</a:t>
+              <a:t>7/9/18</a:t>
             </a:fld>
             <a:endParaRPr lang="en-US"/>
           </a:p>
@@ -1995,7 +1997,7 @@
           <a:p>
             <a:fld id="{50BDA994-C125-5048-A69B-C179FD457A2E}" type="datetimeFigureOut">
               <a:rPr lang="en-US" smtClean="0"/>
-              <a:t>7/6/18</a:t>
+              <a:t>7/9/18</a:t>
             </a:fld>
             <a:endParaRPr lang="en-US"/>
           </a:p>
@@ -2272,7 +2274,7 @@
           <a:p>
             <a:fld id="{50BDA994-C125-5048-A69B-C179FD457A2E}" type="datetimeFigureOut">
               <a:rPr lang="en-US" smtClean="0"/>
-              <a:t>7/6/18</a:t>
+              <a:t>7/9/18</a:t>
             </a:fld>
             <a:endParaRPr lang="en-US"/>
           </a:p>
@@ -2525,7 +2527,7 @@
           <a:p>
             <a:fld id="{50BDA994-C125-5048-A69B-C179FD457A2E}" type="datetimeFigureOut">
               <a:rPr lang="en-US" smtClean="0"/>
-              <a:t>7/6/18</a:t>
+              <a:t>7/9/18</a:t>
             </a:fld>
             <a:endParaRPr lang="en-US"/>
           </a:p>
@@ -2738,7 +2740,7 @@
           <a:p>
             <a:fld id="{50BDA994-C125-5048-A69B-C179FD457A2E}" type="datetimeFigureOut">
               <a:rPr lang="en-US" smtClean="0"/>
-              <a:t>7/6/18</a:t>
+              <a:t>7/9/18</a:t>
             </a:fld>
             <a:endParaRPr lang="en-US"/>
           </a:p>
@@ -3141,19 +3143,7 @@
             </a:pPr>
             <a:r>
               <a:rPr lang="en-US" sz="1800" dirty="0" smtClean="0"/>
-              <a:t>Raw data 210000 * </a:t>
-            </a:r>
-            <a:r>
-              <a:rPr lang="en-US" sz="1800" dirty="0" smtClean="0"/>
-              <a:t>5, </a:t>
-            </a:r>
-            <a:r>
-              <a:rPr lang="en-US" sz="1800" dirty="0" smtClean="0"/>
-              <a:t>each of them has a 0_1 label (0_1 cluster &lt; 100 -&gt; X_X </a:t>
-            </a:r>
-            <a:r>
-              <a:rPr lang="en-US" sz="1800" dirty="0" smtClean="0"/>
-              <a:t>label)</a:t>
+              <a:t>Raw data 210000 * 5, each of them has a 0_1 label (0_1 cluster &lt; 100 -&gt; X_X label)</a:t>
             </a:r>
             <a:r>
               <a:rPr lang="en-US" sz="1800" dirty="0" smtClean="0">
@@ -3165,13 +3155,6 @@
               </a:rPr>
               <a:t>Raw signal add -0.1~0.1 random noise</a:t>
             </a:r>
-            <a:endParaRPr lang="en-US" sz="1800" dirty="0" smtClean="0">
-              <a:solidFill>
-                <a:schemeClr val="bg1">
-                  <a:lumMod val="65000"/>
-                </a:schemeClr>
-              </a:solidFill>
-            </a:endParaRPr>
           </a:p>
           <a:p>
             <a:pPr marL="514350" indent="-514350">
@@ -3190,19 +3173,7 @@
             </a:pPr>
             <a:r>
               <a:rPr lang="en-US" sz="1800" dirty="0" smtClean="0"/>
-              <a:t>Assign 210000 </a:t>
-            </a:r>
-            <a:r>
-              <a:rPr lang="en-US" sz="1800" dirty="0" smtClean="0"/>
-              <a:t>peaks </a:t>
-            </a:r>
-            <a:r>
-              <a:rPr lang="en-US" sz="1800" dirty="0" smtClean="0"/>
-              <a:t>into 20 clusters based </a:t>
-            </a:r>
-            <a:r>
-              <a:rPr lang="en-US" sz="1800" dirty="0" smtClean="0"/>
-              <a:t>on 0_1 label</a:t>
+              <a:t>Assign 210000 peaks into 20 clusters based on 0_1 label</a:t>
             </a:r>
           </a:p>
           <a:p>
@@ -3350,11 +3321,7 @@
             </a:r>
             <a:r>
               <a:rPr lang="en-US" sz="1800" dirty="0" smtClean="0"/>
-              <a:t>(</a:t>
-            </a:r>
-            <a:r>
-              <a:rPr lang="en-US" sz="1800" dirty="0" smtClean="0"/>
-              <a:t>3.0)</a:t>
+              <a:t>(3.0)</a:t>
             </a:r>
           </a:p>
           <a:p>
@@ -3368,11 +3335,7 @@
             </a:r>
             <a:r>
               <a:rPr lang="en-US" sz="1800" dirty="0" smtClean="0"/>
-              <a:t> </a:t>
-            </a:r>
-            <a:r>
-              <a:rPr lang="en-US" sz="1800" dirty="0" smtClean="0"/>
-              <a:t>= </a:t>
+              <a:t> = </a:t>
             </a:r>
             <a:r>
               <a:rPr lang="en-US" sz="1800" dirty="0" err="1" smtClean="0"/>
@@ -3410,11 +3373,7 @@
             </a:r>
             <a:r>
               <a:rPr lang="en-US" sz="1800" dirty="0" smtClean="0"/>
-              <a:t> </a:t>
-            </a:r>
-            <a:r>
-              <a:rPr lang="en-US" sz="1800" dirty="0" smtClean="0"/>
-              <a:t>[</a:t>
+              <a:t> [</a:t>
             </a:r>
             <a:r>
               <a:rPr lang="en-US" sz="1800" dirty="0" err="1" smtClean="0"/>
@@ -3444,15 +3403,7 @@
             </a:r>
             <a:r>
               <a:rPr lang="en-US" sz="1800" dirty="0" smtClean="0"/>
-              <a:t> </a:t>
-            </a:r>
-            <a:r>
-              <a:rPr lang="en-US" sz="1800" dirty="0" smtClean="0"/>
-              <a:t>= -</a:t>
-            </a:r>
-            <a:r>
-              <a:rPr lang="en-US" sz="1800" dirty="0" smtClean="0"/>
-              <a:t>1/2*log(</a:t>
+              <a:t> = -1/2*log(</a:t>
             </a:r>
             <a:r>
               <a:rPr lang="en-US" sz="1800" dirty="0" err="1" smtClean="0"/>
@@ -3468,11 +3419,7 @@
             </a:r>
             <a:r>
               <a:rPr lang="en-US" sz="1800" dirty="0" smtClean="0"/>
-              <a:t>)) </a:t>
-            </a:r>
-            <a:r>
-              <a:rPr lang="en-US" sz="1800" dirty="0" smtClean="0"/>
-              <a:t>- sum(dot((</a:t>
+              <a:t>)) - sum(dot((</a:t>
             </a:r>
             <a:r>
               <a:rPr lang="en-US" sz="1800" dirty="0" err="1" smtClean="0"/>
@@ -3496,11 +3443,7 @@
             </a:r>
             <a:r>
               <a:rPr lang="en-US" sz="1800" dirty="0" smtClean="0"/>
-              <a:t>)) </a:t>
-            </a:r>
-            <a:r>
-              <a:rPr lang="en-US" sz="1800" dirty="0" smtClean="0"/>
-              <a:t>* (</a:t>
+              <a:t>)) * (</a:t>
             </a:r>
             <a:r>
               <a:rPr lang="en-US" sz="1800" dirty="0" err="1" smtClean="0"/>
@@ -3508,11 +3451,7 @@
             </a:r>
             <a:r>
               <a:rPr lang="en-US" sz="1800" dirty="0" smtClean="0"/>
-              <a:t>), axis=1) + </a:t>
-            </a:r>
-            <a:r>
-              <a:rPr lang="en-US" sz="1800" dirty="0" smtClean="0"/>
-              <a:t>log(</a:t>
+              <a:t>), axis=1) + log(</a:t>
             </a:r>
             <a:r>
               <a:rPr lang="en-US" sz="1800" dirty="0" err="1" smtClean="0"/>
@@ -3570,11 +3509,7 @@
             </a:r>
             <a:r>
               <a:rPr lang="en-US" sz="1800" dirty="0" smtClean="0"/>
-              <a:t>) </a:t>
-            </a:r>
-            <a:r>
-              <a:rPr lang="en-US" sz="1800" dirty="0" smtClean="0"/>
-              <a:t>)</a:t>
+              <a:t>) )</a:t>
             </a:r>
           </a:p>
           <a:p>
@@ -3594,7 +3529,6 @@
               <a:rPr lang="en-US" sz="1800" dirty="0" smtClean="0"/>
               <a:t>&lt;0.5, assign the sample with label 0_0_0_0_0</a:t>
             </a:r>
-            <a:endParaRPr lang="en-US" sz="1800" dirty="0" smtClean="0"/>
           </a:p>
           <a:p>
             <a:pPr marL="514350" indent="-514350">
@@ -3611,13 +3545,8 @@
             </a:r>
             <a:r>
               <a:rPr lang="en-US" sz="1800" dirty="0" smtClean="0"/>
-              <a:t> </a:t>
-            </a:r>
-            <a:r>
-              <a:rPr lang="en-US" sz="1800" dirty="0" smtClean="0"/>
-              <a:t>.</a:t>
-            </a:r>
-            <a:endParaRPr lang="en-US" sz="1800" dirty="0" smtClean="0"/>
+              <a:t> .</a:t>
+            </a:r>
           </a:p>
           <a:p>
             <a:pPr marL="514350" indent="-514350">
@@ -3626,17 +3555,8 @@
             </a:pPr>
             <a:r>
               <a:rPr lang="en-US" sz="1800" dirty="0" smtClean="0"/>
-              <a:t>For </a:t>
-            </a:r>
-            <a:r>
-              <a:rPr lang="en-US" sz="1800" dirty="0" smtClean="0"/>
-              <a:t>new clusters with less than 100 peak, relabel them as </a:t>
-            </a:r>
-            <a:r>
-              <a:rPr lang="en-US" sz="1800" dirty="0" smtClean="0"/>
-              <a:t>X_X_X_X_X</a:t>
-            </a:r>
-            <a:endParaRPr lang="en-US" sz="1800" dirty="0" smtClean="0"/>
+              <a:t>For new clusters with less than 100 peak, relabel them as X_X_X_X_X</a:t>
+            </a:r>
           </a:p>
           <a:p>
             <a:pPr marL="514350" indent="-514350">
@@ -3645,15 +3565,7 @@
             </a:pPr>
             <a:r>
               <a:rPr lang="en-US" sz="1800" dirty="0" smtClean="0"/>
-              <a:t>Iteration </a:t>
-            </a:r>
-            <a:r>
-              <a:rPr lang="en-US" sz="1800" dirty="0" smtClean="0"/>
-              <a:t>1-99</a:t>
-            </a:r>
-            <a:r>
-              <a:rPr lang="en-US" sz="1800" dirty="0" smtClean="0"/>
-              <a:t>:</a:t>
+              <a:t>Iteration 1-99:</a:t>
             </a:r>
           </a:p>
           <a:p>
@@ -3705,11 +3617,7 @@
             </a:r>
             <a:r>
               <a:rPr lang="en-US" sz="1800" dirty="0" smtClean="0"/>
-              <a:t> = repeat(2.0, </a:t>
-            </a:r>
-            <a:r>
-              <a:rPr lang="en-US" sz="1800" dirty="0" smtClean="0"/>
-              <a:t>5); </a:t>
+              <a:t> = repeat(2.0, 5); </a:t>
             </a:r>
             <a:r>
               <a:rPr lang="en-US" sz="1800" dirty="0" err="1" smtClean="0"/>
@@ -3732,13 +3640,8 @@
             </a:pPr>
             <a:r>
               <a:rPr lang="en-US" sz="1800" dirty="0" smtClean="0"/>
-              <a:t>Redo step </a:t>
-            </a:r>
-            <a:r>
-              <a:rPr lang="en-US" sz="1800" dirty="0" smtClean="0"/>
-              <a:t>5,6,7,8,9,10,11,12, 14,15</a:t>
-            </a:r>
-            <a:endParaRPr lang="en-US" sz="1800" dirty="0" smtClean="0"/>
+              <a:t>Redo step 5,6,7,8,9,10,11,12, 14,15</a:t>
+            </a:r>
           </a:p>
           <a:p>
             <a:pPr marL="514350" indent="-514350">
@@ -3796,6 +3699,13 @@
   <p:clrMapOvr>
     <a:masterClrMapping/>
   </p:clrMapOvr>
+  <p:timing>
+    <p:tnLst>
+      <p:par>
+        <p:cTn xmlns:p14="http://schemas.microsoft.com/office/powerpoint/2010/main" id="1" dur="indefinite" restart="never" nodeType="tmRoot"/>
+      </p:par>
+    </p:tnLst>
+  </p:timing>
 </p:sld>
 </file>
 
@@ -4140,10 +4050,227 @@
   <p:clrMapOvr>
     <a:masterClrMapping/>
   </p:clrMapOvr>
+  <p:timing>
+    <p:tnLst>
+      <p:par>
+        <p:cTn xmlns:p14="http://schemas.microsoft.com/office/powerpoint/2010/main" id="1" dur="indefinite" restart="never" nodeType="tmRoot"/>
+      </p:par>
+    </p:tnLst>
+  </p:timing>
 </p:sld>
 </file>
 
 <file path=ppt/slides/slide3.xml><?xml version="1.0" encoding="utf-8"?>
+<p:sld xmlns:a="http://schemas.openxmlformats.org/drawingml/2006/main" xmlns:r="http://schemas.openxmlformats.org/officeDocument/2006/relationships" xmlns:p="http://schemas.openxmlformats.org/presentationml/2006/main">
+  <p:cSld>
+    <p:spTree>
+      <p:nvGrpSpPr>
+        <p:cNvPr id="1" name=""/>
+        <p:cNvGrpSpPr/>
+        <p:nvPr/>
+      </p:nvGrpSpPr>
+      <p:grpSpPr>
+        <a:xfrm>
+          <a:off x="0" y="0"/>
+          <a:ext cx="0" cy="0"/>
+          <a:chOff x="0" y="0"/>
+          <a:chExt cx="0" cy="0"/>
+        </a:xfrm>
+      </p:grpSpPr>
+      <p:pic>
+        <p:nvPicPr>
+          <p:cNvPr id="5" name="Picture 4" descr="atac_20cell.sig.10.newlabel.reorder.png"/>
+          <p:cNvPicPr>
+            <a:picLocks/>
+          </p:cNvPicPr>
+          <p:nvPr/>
+        </p:nvPicPr>
+        <p:blipFill>
+          <a:blip r:embed="rId2">
+            <a:extLst>
+              <a:ext uri="{28A0092B-C50C-407E-A947-70E740481C1C}">
+                <a14:useLocalDpi xmlns:a14="http://schemas.microsoft.com/office/drawing/2010/main" val="0"/>
+              </a:ext>
+            </a:extLst>
+          </a:blip>
+          <a:stretch>
+            <a:fillRect/>
+          </a:stretch>
+        </p:blipFill>
+        <p:spPr>
+          <a:xfrm>
+            <a:off x="2880000" y="0"/>
+            <a:ext cx="2880000" cy="5760000"/>
+          </a:xfrm>
+          <a:prstGeom prst="rect">
+            <a:avLst/>
+          </a:prstGeom>
+        </p:spPr>
+      </p:pic>
+      <p:pic>
+        <p:nvPicPr>
+          <p:cNvPr id="8" name="Picture 7" descr="atac_20cell.sig.10.png"/>
+          <p:cNvPicPr>
+            <a:picLocks/>
+          </p:cNvPicPr>
+          <p:nvPr/>
+        </p:nvPicPr>
+        <p:blipFill>
+          <a:blip r:embed="rId3">
+            <a:extLst>
+              <a:ext uri="{28A0092B-C50C-407E-A947-70E740481C1C}">
+                <a14:useLocalDpi xmlns:a14="http://schemas.microsoft.com/office/drawing/2010/main" val="0"/>
+              </a:ext>
+            </a:extLst>
+          </a:blip>
+          <a:stretch>
+            <a:fillRect/>
+          </a:stretch>
+        </p:blipFill>
+        <p:spPr>
+          <a:xfrm>
+            <a:off x="0" y="0"/>
+            <a:ext cx="2880000" cy="5760000"/>
+          </a:xfrm>
+          <a:prstGeom prst="rect">
+            <a:avLst/>
+          </a:prstGeom>
+        </p:spPr>
+      </p:pic>
+      <p:pic>
+        <p:nvPicPr>
+          <p:cNvPr id="9" name="Picture 8" descr="atac_ccRE_sig.png"/>
+          <p:cNvPicPr>
+            <a:picLocks noChangeAspect="1"/>
+          </p:cNvPicPr>
+          <p:nvPr/>
+        </p:nvPicPr>
+        <p:blipFill>
+          <a:blip r:embed="rId4">
+            <a:extLst>
+              <a:ext uri="{28A0092B-C50C-407E-A947-70E740481C1C}">
+                <a14:useLocalDpi xmlns:a14="http://schemas.microsoft.com/office/drawing/2010/main" val="0"/>
+              </a:ext>
+            </a:extLst>
+          </a:blip>
+          <a:stretch>
+            <a:fillRect/>
+          </a:stretch>
+        </p:blipFill>
+        <p:spPr>
+          <a:xfrm>
+            <a:off x="5760000" y="0"/>
+            <a:ext cx="3384000" cy="6197600"/>
+          </a:xfrm>
+          <a:prstGeom prst="rect">
+            <a:avLst/>
+          </a:prstGeom>
+        </p:spPr>
+      </p:pic>
+    </p:spTree>
+    <p:extLst>
+      <p:ext uri="{BB962C8B-B14F-4D97-AF65-F5344CB8AC3E}">
+        <p14:creationId xmlns:p14="http://schemas.microsoft.com/office/powerpoint/2010/main" val="3795699334"/>
+      </p:ext>
+    </p:extLst>
+  </p:cSld>
+  <p:clrMapOvr>
+    <a:masterClrMapping/>
+  </p:clrMapOvr>
+</p:sld>
+</file>
+
+<file path=ppt/slides/slide4.xml><?xml version="1.0" encoding="utf-8"?>
+<p:sld xmlns:a="http://schemas.openxmlformats.org/drawingml/2006/main" xmlns:r="http://schemas.openxmlformats.org/officeDocument/2006/relationships" xmlns:p="http://schemas.openxmlformats.org/presentationml/2006/main">
+  <p:cSld>
+    <p:spTree>
+      <p:nvGrpSpPr>
+        <p:cNvPr id="1" name=""/>
+        <p:cNvGrpSpPr/>
+        <p:nvPr/>
+      </p:nvGrpSpPr>
+      <p:grpSpPr>
+        <a:xfrm>
+          <a:off x="0" y="0"/>
+          <a:ext cx="0" cy="0"/>
+          <a:chOff x="0" y="0"/>
+          <a:chExt cx="0" cy="0"/>
+        </a:xfrm>
+      </p:grpSpPr>
+      <p:pic>
+        <p:nvPicPr>
+          <p:cNvPr id="5" name="Picture 4" descr="data.adj.10.txt.meansig.png.newlabel.png"/>
+          <p:cNvPicPr>
+            <a:picLocks/>
+          </p:cNvPicPr>
+          <p:nvPr/>
+        </p:nvPicPr>
+        <p:blipFill>
+          <a:blip r:embed="rId2">
+            <a:extLst>
+              <a:ext uri="{28A0092B-C50C-407E-A947-70E740481C1C}">
+                <a14:useLocalDpi xmlns:a14="http://schemas.microsoft.com/office/drawing/2010/main" val="0"/>
+              </a:ext>
+            </a:extLst>
+          </a:blip>
+          <a:stretch>
+            <a:fillRect/>
+          </a:stretch>
+        </p:blipFill>
+        <p:spPr>
+          <a:xfrm>
+            <a:off x="2880000" y="0"/>
+            <a:ext cx="2880000" cy="5760000"/>
+          </a:xfrm>
+          <a:prstGeom prst="rect">
+            <a:avLst/>
+          </a:prstGeom>
+        </p:spPr>
+      </p:pic>
+      <p:pic>
+        <p:nvPicPr>
+          <p:cNvPr id="6" name="Picture 5" descr="qda_atac_wg.mvn_check.10.od.png"/>
+          <p:cNvPicPr>
+            <a:picLocks/>
+          </p:cNvPicPr>
+          <p:nvPr/>
+        </p:nvPicPr>
+        <p:blipFill>
+          <a:blip r:embed="rId3">
+            <a:extLst>
+              <a:ext uri="{28A0092B-C50C-407E-A947-70E740481C1C}">
+                <a14:useLocalDpi xmlns:a14="http://schemas.microsoft.com/office/drawing/2010/main" val="0"/>
+              </a:ext>
+            </a:extLst>
+          </a:blip>
+          <a:stretch>
+            <a:fillRect/>
+          </a:stretch>
+        </p:blipFill>
+        <p:spPr>
+          <a:xfrm>
+            <a:off x="0" y="0"/>
+            <a:ext cx="2880000" cy="5760000"/>
+          </a:xfrm>
+          <a:prstGeom prst="rect">
+            <a:avLst/>
+          </a:prstGeom>
+        </p:spPr>
+      </p:pic>
+    </p:spTree>
+    <p:extLst>
+      <p:ext uri="{BB962C8B-B14F-4D97-AF65-F5344CB8AC3E}">
+        <p14:creationId xmlns:p14="http://schemas.microsoft.com/office/powerpoint/2010/main" val="3634976684"/>
+      </p:ext>
+    </p:extLst>
+  </p:cSld>
+  <p:clrMapOvr>
+    <a:masterClrMapping/>
+  </p:clrMapOvr>
+</p:sld>
+</file>
+
+<file path=ppt/slides/slide5.xml><?xml version="1.0" encoding="utf-8"?>
 <p:sld xmlns:a="http://schemas.openxmlformats.org/drawingml/2006/main" xmlns:r="http://schemas.openxmlformats.org/officeDocument/2006/relationships" xmlns:p="http://schemas.openxmlformats.org/presentationml/2006/main">
   <p:cSld>
     <p:spTree>
@@ -4356,6 +4483,13 @@
   <p:clrMapOvr>
     <a:masterClrMapping/>
   </p:clrMapOvr>
+  <p:timing>
+    <p:tnLst>
+      <p:par>
+        <p:cTn xmlns:p14="http://schemas.microsoft.com/office/powerpoint/2010/main" id="1" dur="indefinite" restart="never" nodeType="tmRoot"/>
+      </p:par>
+    </p:tnLst>
+  </p:timing>
 </p:sld>
 </file>
 
